--- a/Beyond-QWERTY Form-Filling.pptx
+++ b/Beyond-QWERTY Form-Filling.pptx
@@ -32,6 +32,24 @@
   </p:sldIdLst>
   <p:sldSz cx="14630400" cy="8229600"/>
   <p:notesSz cx="8229600" cy="14630400"/>
+  <p:embeddedFontLst>
+    <p:embeddedFont>
+      <p:font typeface="Heebo Light" pitchFamily="2" charset="-79"/>
+      <p:regular r:id="rId24"/>
+    </p:embeddedFont>
+    <p:embeddedFont>
+      <p:font typeface="Lora" pitchFamily="2" charset="0"/>
+      <p:regular r:id="rId25"/>
+    </p:embeddedFont>
+    <p:embeddedFont>
+      <p:font typeface="Montserrat" panose="00000500000000000000" pitchFamily="2" charset="0"/>
+      <p:regular r:id="rId26"/>
+    </p:embeddedFont>
+    <p:embeddedFont>
+      <p:font typeface="Source Sans Pro" panose="020B0503030403020204" pitchFamily="34" charset="0"/>
+      <p:regular r:id="rId27"/>
+    </p:embeddedFont>
+  </p:embeddedFontLst>
   <p:defaultTextStyle>
     <a:defPPr>
       <a:defRPr lang="en-US"/>
@@ -6671,10 +6689,10 @@
       </p:sp>
       <p:pic>
         <p:nvPicPr>
-          <p:cNvPr id="8" name="Picture 7">
-            <a:extLst>
-              <a:ext uri="{FF2B5EF4-FFF2-40B4-BE49-F238E27FC236}">
-                <a16:creationId xmlns:a16="http://schemas.microsoft.com/office/drawing/2014/main" id="{0F1D33AE-A6D5-5276-6DDD-2101E4E63656}"/>
+          <p:cNvPr id="6" name="Picture 5">
+            <a:extLst>
+              <a:ext uri="{FF2B5EF4-FFF2-40B4-BE49-F238E27FC236}">
+                <a16:creationId xmlns:a16="http://schemas.microsoft.com/office/drawing/2014/main" id="{48EB04B4-73AF-5EAE-E394-E99915829CFE}"/>
               </a:ext>
             </a:extLst>
           </p:cNvPr>
@@ -6691,8 +6709,8 @@
         </p:blipFill>
         <p:spPr>
           <a:xfrm>
-            <a:off x="5486400" y="2743189"/>
-            <a:ext cx="9144000" cy="5486411"/>
+            <a:off x="5486400" y="2386355"/>
+            <a:ext cx="9144018" cy="5486411"/>
           </a:xfrm>
           <a:prstGeom prst="rect">
             <a:avLst/>
